--- a/6023_Gems/D2D/W04 (threading)/6023_W04_Threading_Notes.pptx
+++ b/6023_Gems/D2D/W04 (threading)/6023_W04_Threading_Notes.pptx
@@ -5,13 +5,14 @@
     <p:sldMasterId id="2147483756" r:id="rId1"/>
   </p:sldMasterIdLst>
   <p:notesMasterIdLst>
-    <p:notesMasterId r:id="rId6"/>
+    <p:notesMasterId r:id="rId7"/>
   </p:notesMasterIdLst>
   <p:sldIdLst>
     <p:sldId id="256" r:id="rId2"/>
     <p:sldId id="463" r:id="rId3"/>
     <p:sldId id="464" r:id="rId4"/>
-    <p:sldId id="465" r:id="rId5"/>
+    <p:sldId id="466" r:id="rId5"/>
+    <p:sldId id="465" r:id="rId6"/>
   </p:sldIdLst>
   <p:sldSz cx="9144000" cy="5143500" type="screen16x9"/>
   <p:notesSz cx="6858000" cy="9144000"/>
@@ -226,7 +227,7 @@
             <a:fld id="{3D3F9196-5FBD-45F8-86BD-A3D90AC79AC7}" type="datetimeFigureOut">
               <a:rPr lang="en-CA" smtClean="0"/>
               <a:pPr/>
-              <a:t>2024-02-05</a:t>
+              <a:t>2024-02-06</a:t>
             </a:fld>
             <a:endParaRPr lang="en-CA"/>
           </a:p>
@@ -3768,7 +3769,7 @@
             </a:pPr>
             <a:r>
               <a:rPr lang="en-CA" sz="2800" dirty="0"/>
-              <a:t>Threading</a:t>
+              <a:t>Threading notes (like they’d be on the white board)</a:t>
             </a:r>
             <a:endParaRPr lang="en-CA" sz="2800" dirty="0">
               <a:solidFill>
@@ -4720,6 +4721,670 @@
 </file>
 
 <file path=ppt/slides/slide4.xml><?xml version="1.0" encoding="utf-8"?>
+<p:sld xmlns:a="http://schemas.openxmlformats.org/drawingml/2006/main" xmlns:r="http://schemas.openxmlformats.org/officeDocument/2006/relationships" xmlns:p="http://schemas.openxmlformats.org/presentationml/2006/main">
+  <p:cSld>
+    <p:spTree>
+      <p:nvGrpSpPr>
+        <p:cNvPr id="1" name="">
+          <a:extLst>
+            <a:ext uri="{FF2B5EF4-FFF2-40B4-BE49-F238E27FC236}">
+              <a16:creationId xmlns:a16="http://schemas.microsoft.com/office/drawing/2014/main" id="{F9376AE5-21F3-9032-4AA5-A58B5EFCA0FC}"/>
+            </a:ext>
+          </a:extLst>
+        </p:cNvPr>
+        <p:cNvGrpSpPr/>
+        <p:nvPr/>
+      </p:nvGrpSpPr>
+      <p:grpSpPr>
+        <a:xfrm>
+          <a:off x="0" y="0"/>
+          <a:ext cx="0" cy="0"/>
+          <a:chOff x="0" y="0"/>
+          <a:chExt cx="0" cy="0"/>
+        </a:xfrm>
+      </p:grpSpPr>
+      <p:sp>
+        <p:nvSpPr>
+          <p:cNvPr id="27650" name="Rectangle 2">
+            <a:extLst>
+              <a:ext uri="{FF2B5EF4-FFF2-40B4-BE49-F238E27FC236}">
+                <a16:creationId xmlns:a16="http://schemas.microsoft.com/office/drawing/2014/main" id="{216D3704-76B4-07A5-3300-A0DD49EB37F8}"/>
+              </a:ext>
+            </a:extLst>
+          </p:cNvPr>
+          <p:cNvSpPr>
+            <a:spLocks noGrp="1" noChangeArrowheads="1"/>
+          </p:cNvSpPr>
+          <p:nvPr>
+            <p:ph type="title"/>
+          </p:nvPr>
+        </p:nvSpPr>
+        <p:spPr/>
+        <p:txBody>
+          <a:bodyPr/>
+          <a:lstStyle/>
+          <a:p>
+            <a:r>
+              <a:rPr lang="en-US" dirty="0"/>
+              <a:t>Tools and tips</a:t>
+            </a:r>
+          </a:p>
+        </p:txBody>
+      </p:sp>
+      <p:sp>
+        <p:nvSpPr>
+          <p:cNvPr id="27651" name="Rectangle 3">
+            <a:extLst>
+              <a:ext uri="{FF2B5EF4-FFF2-40B4-BE49-F238E27FC236}">
+                <a16:creationId xmlns:a16="http://schemas.microsoft.com/office/drawing/2014/main" id="{1CBB98D1-5AB7-DE5D-890D-8E54777A870D}"/>
+              </a:ext>
+            </a:extLst>
+          </p:cNvPr>
+          <p:cNvSpPr>
+            <a:spLocks noGrp="1" noChangeArrowheads="1"/>
+          </p:cNvSpPr>
+          <p:nvPr>
+            <p:ph type="body" idx="1"/>
+          </p:nvPr>
+        </p:nvSpPr>
+        <p:spPr>
+          <a:xfrm>
+            <a:off x="152400" y="1276350"/>
+            <a:ext cx="8534400" cy="3469207"/>
+          </a:xfrm>
+        </p:spPr>
+        <p:txBody>
+          <a:bodyPr>
+            <a:normAutofit/>
+          </a:bodyPr>
+          <a:lstStyle/>
+          <a:p>
+            <a:pPr>
+              <a:lnSpc>
+                <a:spcPct val="90000"/>
+              </a:lnSpc>
+            </a:pPr>
+            <a:r>
+              <a:rPr lang="en-US" sz="1800" dirty="0"/>
+              <a:t>Each thread runs a function: have to have a function (C++ similar, but a method)</a:t>
+            </a:r>
+          </a:p>
+          <a:p>
+            <a:pPr>
+              <a:lnSpc>
+                <a:spcPct val="90000"/>
+              </a:lnSpc>
+            </a:pPr>
+            <a:r>
+              <a:rPr lang="en-US" sz="1800" dirty="0"/>
+              <a:t>Think about a non-threaded approach where you do your “work” inside a function, THEN think about threading it.</a:t>
+            </a:r>
+          </a:p>
+          <a:p>
+            <a:pPr>
+              <a:lnSpc>
+                <a:spcPct val="90000"/>
+              </a:lnSpc>
+            </a:pPr>
+            <a:r>
+              <a:rPr lang="en-US" sz="1800" dirty="0"/>
+              <a:t>With locks (Critical sections, interlocked exchange, mutex, etc.): </a:t>
+            </a:r>
+          </a:p>
+          <a:p>
+            <a:pPr lvl="1">
+              <a:lnSpc>
+                <a:spcPct val="90000"/>
+              </a:lnSpc>
+            </a:pPr>
+            <a:r>
+              <a:rPr lang="en-US" sz="1600" dirty="0"/>
+              <a:t>Think about the DATA you are protecting, NOT the code you are running</a:t>
+            </a:r>
+          </a:p>
+          <a:p>
+            <a:pPr>
+              <a:lnSpc>
+                <a:spcPct val="90000"/>
+              </a:lnSpc>
+            </a:pPr>
+            <a:r>
+              <a:rPr lang="en-US" sz="2000" dirty="0"/>
+              <a:t>To isolate data, you can:</a:t>
+            </a:r>
+          </a:p>
+          <a:p>
+            <a:pPr lvl="1">
+              <a:lnSpc>
+                <a:spcPct val="90000"/>
+              </a:lnSpc>
+            </a:pPr>
+            <a:r>
+              <a:rPr lang="en-US" sz="1600" dirty="0"/>
+              <a:t>Surround the data with a lock (see above)</a:t>
+            </a:r>
+          </a:p>
+          <a:p>
+            <a:pPr lvl="1">
+              <a:lnSpc>
+                <a:spcPct val="90000"/>
+              </a:lnSpc>
+            </a:pPr>
+            <a:r>
+              <a:rPr lang="en-US" sz="1600" dirty="0"/>
+              <a:t>“Buffer” the data: one is only reading, while one is writing</a:t>
+            </a:r>
+          </a:p>
+          <a:p>
+            <a:pPr lvl="2">
+              <a:lnSpc>
+                <a:spcPct val="90000"/>
+              </a:lnSpc>
+            </a:pPr>
+            <a:r>
+              <a:rPr lang="en-US" sz="1400" dirty="0"/>
+              <a:t>Maybe switch these buffers when done</a:t>
+            </a:r>
+          </a:p>
+          <a:p>
+            <a:pPr>
+              <a:lnSpc>
+                <a:spcPct val="90000"/>
+              </a:lnSpc>
+            </a:pPr>
+            <a:r>
+              <a:rPr lang="en-US" sz="2000" dirty="0"/>
+              <a:t>Be “in and out” as fast as possible, ideally not needing any sort of locking</a:t>
+            </a:r>
+          </a:p>
+          <a:p>
+            <a:pPr>
+              <a:lnSpc>
+                <a:spcPct val="90000"/>
+              </a:lnSpc>
+            </a:pPr>
+            <a:r>
+              <a:rPr lang="en-US" sz="2000" dirty="0"/>
+              <a:t>Multithreading the Entire Destiny Engine: h</a:t>
+            </a:r>
+            <a:r>
+              <a:rPr lang="en-US" sz="2000" dirty="0">
+                <a:hlinkClick r:id="rId2"/>
+              </a:rPr>
+              <a:t>ttps://www.youtube.com/watch?v=v2Q_zHG3vqg&amp;ab_channel=GDC</a:t>
+            </a:r>
+            <a:r>
+              <a:rPr lang="en-US" sz="2000" dirty="0"/>
+              <a:t> </a:t>
+            </a:r>
+          </a:p>
+        </p:txBody>
+      </p:sp>
+    </p:spTree>
+    <p:extLst>
+      <p:ext uri="{BB962C8B-B14F-4D97-AF65-F5344CB8AC3E}">
+        <p14:creationId xmlns:p14="http://schemas.microsoft.com/office/powerpoint/2010/main" val="618943814"/>
+      </p:ext>
+    </p:extLst>
+  </p:cSld>
+  <p:clrMapOvr>
+    <a:masterClrMapping/>
+  </p:clrMapOvr>
+  <p:timing>
+    <p:tnLst>
+      <p:par>
+        <p:cTn id="1" dur="indefinite" restart="never" nodeType="tmRoot">
+          <p:childTnLst>
+            <p:seq concurrent="1" nextAc="seek">
+              <p:cTn id="2" dur="indefinite" nodeType="mainSeq">
+                <p:childTnLst>
+                  <p:par>
+                    <p:cTn id="3" fill="hold">
+                      <p:stCondLst>
+                        <p:cond delay="indefinite"/>
+                      </p:stCondLst>
+                      <p:childTnLst>
+                        <p:par>
+                          <p:cTn id="4" fill="hold">
+                            <p:stCondLst>
+                              <p:cond delay="0"/>
+                            </p:stCondLst>
+                            <p:childTnLst>
+                              <p:par>
+                                <p:cTn id="5" presetID="1" presetClass="entr" presetSubtype="0" fill="hold" grpId="0" nodeType="clickEffect">
+                                  <p:stCondLst>
+                                    <p:cond delay="0"/>
+                                  </p:stCondLst>
+                                  <p:childTnLst>
+                                    <p:set>
+                                      <p:cBhvr>
+                                        <p:cTn id="6" dur="1" fill="hold">
+                                          <p:stCondLst>
+                                            <p:cond delay="0"/>
+                                          </p:stCondLst>
+                                        </p:cTn>
+                                        <p:tgtEl>
+                                          <p:spTgt spid="27651">
+                                            <p:txEl>
+                                              <p:pRg st="0" end="0"/>
+                                            </p:txEl>
+                                          </p:spTgt>
+                                        </p:tgtEl>
+                                        <p:attrNameLst>
+                                          <p:attrName>style.visibility</p:attrName>
+                                        </p:attrNameLst>
+                                      </p:cBhvr>
+                                      <p:to>
+                                        <p:strVal val="visible"/>
+                                      </p:to>
+                                    </p:set>
+                                  </p:childTnLst>
+                                </p:cTn>
+                              </p:par>
+                            </p:childTnLst>
+                          </p:cTn>
+                        </p:par>
+                      </p:childTnLst>
+                    </p:cTn>
+                  </p:par>
+                  <p:par>
+                    <p:cTn id="7" fill="hold">
+                      <p:stCondLst>
+                        <p:cond delay="indefinite"/>
+                      </p:stCondLst>
+                      <p:childTnLst>
+                        <p:par>
+                          <p:cTn id="8" fill="hold">
+                            <p:stCondLst>
+                              <p:cond delay="0"/>
+                            </p:stCondLst>
+                            <p:childTnLst>
+                              <p:par>
+                                <p:cTn id="9" presetID="1" presetClass="entr" presetSubtype="0" fill="hold" grpId="0" nodeType="clickEffect">
+                                  <p:stCondLst>
+                                    <p:cond delay="0"/>
+                                  </p:stCondLst>
+                                  <p:childTnLst>
+                                    <p:set>
+                                      <p:cBhvr>
+                                        <p:cTn id="10" dur="1" fill="hold">
+                                          <p:stCondLst>
+                                            <p:cond delay="0"/>
+                                          </p:stCondLst>
+                                        </p:cTn>
+                                        <p:tgtEl>
+                                          <p:spTgt spid="27651">
+                                            <p:txEl>
+                                              <p:pRg st="1" end="1"/>
+                                            </p:txEl>
+                                          </p:spTgt>
+                                        </p:tgtEl>
+                                        <p:attrNameLst>
+                                          <p:attrName>style.visibility</p:attrName>
+                                        </p:attrNameLst>
+                                      </p:cBhvr>
+                                      <p:to>
+                                        <p:strVal val="visible"/>
+                                      </p:to>
+                                    </p:set>
+                                  </p:childTnLst>
+                                </p:cTn>
+                              </p:par>
+                            </p:childTnLst>
+                          </p:cTn>
+                        </p:par>
+                      </p:childTnLst>
+                    </p:cTn>
+                  </p:par>
+                  <p:par>
+                    <p:cTn id="11" fill="hold">
+                      <p:stCondLst>
+                        <p:cond delay="indefinite"/>
+                      </p:stCondLst>
+                      <p:childTnLst>
+                        <p:par>
+                          <p:cTn id="12" fill="hold">
+                            <p:stCondLst>
+                              <p:cond delay="0"/>
+                            </p:stCondLst>
+                            <p:childTnLst>
+                              <p:par>
+                                <p:cTn id="13" presetID="1" presetClass="entr" presetSubtype="0" fill="hold" grpId="0" nodeType="clickEffect">
+                                  <p:stCondLst>
+                                    <p:cond delay="0"/>
+                                  </p:stCondLst>
+                                  <p:childTnLst>
+                                    <p:set>
+                                      <p:cBhvr>
+                                        <p:cTn id="14" dur="1" fill="hold">
+                                          <p:stCondLst>
+                                            <p:cond delay="0"/>
+                                          </p:stCondLst>
+                                        </p:cTn>
+                                        <p:tgtEl>
+                                          <p:spTgt spid="27651">
+                                            <p:txEl>
+                                              <p:pRg st="2" end="2"/>
+                                            </p:txEl>
+                                          </p:spTgt>
+                                        </p:tgtEl>
+                                        <p:attrNameLst>
+                                          <p:attrName>style.visibility</p:attrName>
+                                        </p:attrNameLst>
+                                      </p:cBhvr>
+                                      <p:to>
+                                        <p:strVal val="visible"/>
+                                      </p:to>
+                                    </p:set>
+                                  </p:childTnLst>
+                                </p:cTn>
+                              </p:par>
+                              <p:par>
+                                <p:cTn id="15" presetID="1" presetClass="entr" presetSubtype="0" fill="hold" grpId="0" nodeType="withEffect">
+                                  <p:stCondLst>
+                                    <p:cond delay="0"/>
+                                  </p:stCondLst>
+                                  <p:childTnLst>
+                                    <p:set>
+                                      <p:cBhvr>
+                                        <p:cTn id="16" dur="1" fill="hold">
+                                          <p:stCondLst>
+                                            <p:cond delay="0"/>
+                                          </p:stCondLst>
+                                        </p:cTn>
+                                        <p:tgtEl>
+                                          <p:spTgt spid="27651">
+                                            <p:txEl>
+                                              <p:pRg st="3" end="3"/>
+                                            </p:txEl>
+                                          </p:spTgt>
+                                        </p:tgtEl>
+                                        <p:attrNameLst>
+                                          <p:attrName>style.visibility</p:attrName>
+                                        </p:attrNameLst>
+                                      </p:cBhvr>
+                                      <p:to>
+                                        <p:strVal val="visible"/>
+                                      </p:to>
+                                    </p:set>
+                                  </p:childTnLst>
+                                </p:cTn>
+                              </p:par>
+                            </p:childTnLst>
+                          </p:cTn>
+                        </p:par>
+                      </p:childTnLst>
+                    </p:cTn>
+                  </p:par>
+                  <p:par>
+                    <p:cTn id="17" fill="hold">
+                      <p:stCondLst>
+                        <p:cond delay="indefinite"/>
+                      </p:stCondLst>
+                      <p:childTnLst>
+                        <p:par>
+                          <p:cTn id="18" fill="hold">
+                            <p:stCondLst>
+                              <p:cond delay="0"/>
+                            </p:stCondLst>
+                            <p:childTnLst>
+                              <p:par>
+                                <p:cTn id="19" presetID="1" presetClass="entr" presetSubtype="0" fill="hold" grpId="0" nodeType="clickEffect">
+                                  <p:stCondLst>
+                                    <p:cond delay="0"/>
+                                  </p:stCondLst>
+                                  <p:childTnLst>
+                                    <p:set>
+                                      <p:cBhvr>
+                                        <p:cTn id="20" dur="1" fill="hold">
+                                          <p:stCondLst>
+                                            <p:cond delay="0"/>
+                                          </p:stCondLst>
+                                        </p:cTn>
+                                        <p:tgtEl>
+                                          <p:spTgt spid="27651">
+                                            <p:txEl>
+                                              <p:pRg st="4" end="4"/>
+                                            </p:txEl>
+                                          </p:spTgt>
+                                        </p:tgtEl>
+                                        <p:attrNameLst>
+                                          <p:attrName>style.visibility</p:attrName>
+                                        </p:attrNameLst>
+                                      </p:cBhvr>
+                                      <p:to>
+                                        <p:strVal val="visible"/>
+                                      </p:to>
+                                    </p:set>
+                                  </p:childTnLst>
+                                </p:cTn>
+                              </p:par>
+                              <p:par>
+                                <p:cTn id="21" presetID="1" presetClass="entr" presetSubtype="0" fill="hold" grpId="0" nodeType="withEffect">
+                                  <p:stCondLst>
+                                    <p:cond delay="0"/>
+                                  </p:stCondLst>
+                                  <p:childTnLst>
+                                    <p:set>
+                                      <p:cBhvr>
+                                        <p:cTn id="22" dur="1" fill="hold">
+                                          <p:stCondLst>
+                                            <p:cond delay="0"/>
+                                          </p:stCondLst>
+                                        </p:cTn>
+                                        <p:tgtEl>
+                                          <p:spTgt spid="27651">
+                                            <p:txEl>
+                                              <p:pRg st="5" end="5"/>
+                                            </p:txEl>
+                                          </p:spTgt>
+                                        </p:tgtEl>
+                                        <p:attrNameLst>
+                                          <p:attrName>style.visibility</p:attrName>
+                                        </p:attrNameLst>
+                                      </p:cBhvr>
+                                      <p:to>
+                                        <p:strVal val="visible"/>
+                                      </p:to>
+                                    </p:set>
+                                  </p:childTnLst>
+                                </p:cTn>
+                              </p:par>
+                              <p:par>
+                                <p:cTn id="23" presetID="1" presetClass="entr" presetSubtype="0" fill="hold" grpId="0" nodeType="withEffect">
+                                  <p:stCondLst>
+                                    <p:cond delay="0"/>
+                                  </p:stCondLst>
+                                  <p:childTnLst>
+                                    <p:set>
+                                      <p:cBhvr>
+                                        <p:cTn id="24" dur="1" fill="hold">
+                                          <p:stCondLst>
+                                            <p:cond delay="0"/>
+                                          </p:stCondLst>
+                                        </p:cTn>
+                                        <p:tgtEl>
+                                          <p:spTgt spid="27651">
+                                            <p:txEl>
+                                              <p:pRg st="6" end="6"/>
+                                            </p:txEl>
+                                          </p:spTgt>
+                                        </p:tgtEl>
+                                        <p:attrNameLst>
+                                          <p:attrName>style.visibility</p:attrName>
+                                        </p:attrNameLst>
+                                      </p:cBhvr>
+                                      <p:to>
+                                        <p:strVal val="visible"/>
+                                      </p:to>
+                                    </p:set>
+                                  </p:childTnLst>
+                                </p:cTn>
+                              </p:par>
+                              <p:par>
+                                <p:cTn id="25" presetID="1" presetClass="entr" presetSubtype="0" fill="hold" grpId="0" nodeType="withEffect">
+                                  <p:stCondLst>
+                                    <p:cond delay="0"/>
+                                  </p:stCondLst>
+                                  <p:childTnLst>
+                                    <p:set>
+                                      <p:cBhvr>
+                                        <p:cTn id="26" dur="1" fill="hold">
+                                          <p:stCondLst>
+                                            <p:cond delay="0"/>
+                                          </p:stCondLst>
+                                        </p:cTn>
+                                        <p:tgtEl>
+                                          <p:spTgt spid="27651">
+                                            <p:txEl>
+                                              <p:pRg st="7" end="7"/>
+                                            </p:txEl>
+                                          </p:spTgt>
+                                        </p:tgtEl>
+                                        <p:attrNameLst>
+                                          <p:attrName>style.visibility</p:attrName>
+                                        </p:attrNameLst>
+                                      </p:cBhvr>
+                                      <p:to>
+                                        <p:strVal val="visible"/>
+                                      </p:to>
+                                    </p:set>
+                                  </p:childTnLst>
+                                </p:cTn>
+                              </p:par>
+                            </p:childTnLst>
+                          </p:cTn>
+                        </p:par>
+                      </p:childTnLst>
+                    </p:cTn>
+                  </p:par>
+                  <p:par>
+                    <p:cTn id="27" fill="hold">
+                      <p:stCondLst>
+                        <p:cond delay="indefinite"/>
+                      </p:stCondLst>
+                      <p:childTnLst>
+                        <p:par>
+                          <p:cTn id="28" fill="hold">
+                            <p:stCondLst>
+                              <p:cond delay="0"/>
+                            </p:stCondLst>
+                            <p:childTnLst>
+                              <p:par>
+                                <p:cTn id="29" presetID="1" presetClass="entr" presetSubtype="0" fill="hold" grpId="0" nodeType="clickEffect">
+                                  <p:stCondLst>
+                                    <p:cond delay="0"/>
+                                  </p:stCondLst>
+                                  <p:childTnLst>
+                                    <p:set>
+                                      <p:cBhvr>
+                                        <p:cTn id="30" dur="1" fill="hold">
+                                          <p:stCondLst>
+                                            <p:cond delay="0"/>
+                                          </p:stCondLst>
+                                        </p:cTn>
+                                        <p:tgtEl>
+                                          <p:spTgt spid="27651">
+                                            <p:txEl>
+                                              <p:pRg st="8" end="8"/>
+                                            </p:txEl>
+                                          </p:spTgt>
+                                        </p:tgtEl>
+                                        <p:attrNameLst>
+                                          <p:attrName>style.visibility</p:attrName>
+                                        </p:attrNameLst>
+                                      </p:cBhvr>
+                                      <p:to>
+                                        <p:strVal val="visible"/>
+                                      </p:to>
+                                    </p:set>
+                                  </p:childTnLst>
+                                </p:cTn>
+                              </p:par>
+                            </p:childTnLst>
+                          </p:cTn>
+                        </p:par>
+                      </p:childTnLst>
+                    </p:cTn>
+                  </p:par>
+                  <p:par>
+                    <p:cTn id="31" fill="hold">
+                      <p:stCondLst>
+                        <p:cond delay="indefinite"/>
+                      </p:stCondLst>
+                      <p:childTnLst>
+                        <p:par>
+                          <p:cTn id="32" fill="hold">
+                            <p:stCondLst>
+                              <p:cond delay="0"/>
+                            </p:stCondLst>
+                            <p:childTnLst>
+                              <p:par>
+                                <p:cTn id="33" presetID="1" presetClass="entr" presetSubtype="0" fill="hold" grpId="0" nodeType="clickEffect">
+                                  <p:stCondLst>
+                                    <p:cond delay="0"/>
+                                  </p:stCondLst>
+                                  <p:childTnLst>
+                                    <p:set>
+                                      <p:cBhvr>
+                                        <p:cTn id="34" dur="1" fill="hold">
+                                          <p:stCondLst>
+                                            <p:cond delay="0"/>
+                                          </p:stCondLst>
+                                        </p:cTn>
+                                        <p:tgtEl>
+                                          <p:spTgt spid="27651">
+                                            <p:txEl>
+                                              <p:pRg st="9" end="9"/>
+                                            </p:txEl>
+                                          </p:spTgt>
+                                        </p:tgtEl>
+                                        <p:attrNameLst>
+                                          <p:attrName>style.visibility</p:attrName>
+                                        </p:attrNameLst>
+                                      </p:cBhvr>
+                                      <p:to>
+                                        <p:strVal val="visible"/>
+                                      </p:to>
+                                    </p:set>
+                                  </p:childTnLst>
+                                </p:cTn>
+                              </p:par>
+                            </p:childTnLst>
+                          </p:cTn>
+                        </p:par>
+                      </p:childTnLst>
+                    </p:cTn>
+                  </p:par>
+                </p:childTnLst>
+              </p:cTn>
+              <p:prevCondLst>
+                <p:cond evt="onPrev" delay="0">
+                  <p:tgtEl>
+                    <p:sldTgt/>
+                  </p:tgtEl>
+                </p:cond>
+              </p:prevCondLst>
+              <p:nextCondLst>
+                <p:cond evt="onNext" delay="0">
+                  <p:tgtEl>
+                    <p:sldTgt/>
+                  </p:tgtEl>
+                </p:cond>
+              </p:nextCondLst>
+            </p:seq>
+          </p:childTnLst>
+        </p:cTn>
+      </p:par>
+    </p:tnLst>
+    <p:bldLst>
+      <p:bldP spid="27651" grpId="0" build="p"/>
+    </p:bldLst>
+  </p:timing>
+</p:sld>
+</file>
+
+<file path=ppt/slides/slide5.xml><?xml version="1.0" encoding="utf-8"?>
 <p:sld xmlns:a="http://schemas.openxmlformats.org/drawingml/2006/main" xmlns:r="http://schemas.openxmlformats.org/officeDocument/2006/relationships" xmlns:p="http://schemas.openxmlformats.org/presentationml/2006/main">
   <p:cSld>
     <p:spTree>

--- a/6023_Gems/D2D/W04 (threading)/6023_W04_Threading_Notes.pptx
+++ b/6023_Gems/D2D/W04 (threading)/6023_W04_Threading_Notes.pptx
@@ -227,7 +227,7 @@
             <a:fld id="{3D3F9196-5FBD-45F8-86BD-A3D90AC79AC7}" type="datetimeFigureOut">
               <a:rPr lang="en-CA" smtClean="0"/>
               <a:pPr/>
-              <a:t>2024-02-06</a:t>
+              <a:t>2024-02-12</a:t>
             </a:fld>
             <a:endParaRPr lang="en-CA"/>
           </a:p>
@@ -4838,7 +4838,11 @@
               </a:lnSpc>
             </a:pPr>
             <a:r>
-              <a:rPr lang="en-US" sz="1600" dirty="0"/>
+              <a:rPr lang="en-US" sz="1600" dirty="0">
+                <a:highlight>
+                  <a:srgbClr val="FFFF00"/>
+                </a:highlight>
+              </a:rPr>
               <a:t>Think about the DATA you are protecting, NOT the code you are running</a:t>
             </a:r>
           </a:p>
